--- a/Kong-Hackathon.pptx
+++ b/Kong-Hackathon.pptx
@@ -11688,14 +11688,8 @@
           </a:lstStyle>
           <a:p>
             <a:r>
-              <a:rPr lang="en-US" sz="3600" b="1" i="0" u="none" strike="noStrike" dirty="0">
-                <a:solidFill>
-                  <a:srgbClr val="24292F"/>
-                </a:solidFill>
-                <a:effectLst/>
-                <a:latin typeface="-apple-system"/>
-              </a:rPr>
-              <a:t>Upstream Token Auth</a:t>
+              <a:rPr lang="en-IN" sz="3600" b="1"/>
+              <a:t>AI Anomaly Detection</a:t>
             </a:r>
             <a:endParaRPr lang="en-US" sz="3600" b="1" kern="0" dirty="0">
               <a:solidFill>
